--- a/assignments/ex6.2.pptx
+++ b/assignments/ex6.2.pptx
@@ -306,7 +306,7 @@
           <a:p>
             <a:fld id="{91F9259A-1FE3-4FF9-8A07-BDD8177164ED}" type="datetime4">
               <a:rPr lang="en-US" smtClean="0"/>
-              <a:t>November 17, 2021</a:t>
+              <a:t>November 18, 2021</a:t>
             </a:fld>
             <a:endParaRPr lang="en-US"/>
           </a:p>
@@ -481,7 +481,7 @@
           <a:p>
             <a:fld id="{E5CC3C8F-D4A7-4EAD-92AD-82C91CB8BB85}" type="datetime4">
               <a:rPr lang="en-US" smtClean="0"/>
-              <a:t>November 17, 2021</a:t>
+              <a:t>November 18, 2021</a:t>
             </a:fld>
             <a:endParaRPr lang="en-US"/>
           </a:p>
@@ -718,7 +718,7 @@
           <a:p>
             <a:fld id="{BC011D41-E33C-4BC7-8272-37E8417FD097}" type="datetime4">
               <a:rPr lang="en-US" smtClean="0"/>
-              <a:t>November 17, 2021</a:t>
+              <a:t>November 18, 2021</a:t>
             </a:fld>
             <a:endParaRPr lang="en-US"/>
           </a:p>
@@ -923,7 +923,7 @@
           <a:p>
             <a:fld id="{5D340FED-6E95-4177-A7EF-CD303B9E611D}" type="datetime4">
               <a:rPr lang="en-US" smtClean="0"/>
-              <a:t>November 17, 2021</a:t>
+              <a:t>November 18, 2021</a:t>
             </a:fld>
             <a:endParaRPr lang="en-US"/>
           </a:p>
@@ -1213,7 +1213,7 @@
           <a:p>
             <a:fld id="{477962CB-39AD-45A9-800F-54DAB53D6021}" type="datetime4">
               <a:rPr lang="en-US" smtClean="0"/>
-              <a:t>November 17, 2021</a:t>
+              <a:t>November 18, 2021</a:t>
             </a:fld>
             <a:endParaRPr lang="en-US"/>
           </a:p>
@@ -1497,7 +1497,7 @@
           <a:p>
             <a:fld id="{2DEDF93D-55AB-4606-B9D7-742F1FC51983}" type="datetime4">
               <a:rPr lang="en-US" smtClean="0"/>
-              <a:t>November 17, 2021</a:t>
+              <a:t>November 18, 2021</a:t>
             </a:fld>
             <a:endParaRPr lang="en-US" dirty="0"/>
           </a:p>
@@ -1914,7 +1914,7 @@
           <a:p>
             <a:fld id="{DDF2841D-FB5C-47AB-B2FF-32E855C1EA71}" type="datetime4">
               <a:rPr lang="en-US" smtClean="0"/>
-              <a:t>November 17, 2021</a:t>
+              <a:t>November 18, 2021</a:t>
             </a:fld>
             <a:endParaRPr lang="en-US"/>
           </a:p>
@@ -2055,7 +2055,7 @@
           <a:p>
             <a:fld id="{118537E9-D174-424D-BEE8-AFC4CA5F9F97}" type="datetime4">
               <a:rPr lang="en-US" smtClean="0"/>
-              <a:t>November 17, 2021</a:t>
+              <a:t>November 18, 2021</a:t>
             </a:fld>
             <a:endParaRPr lang="en-US"/>
           </a:p>
@@ -2196,7 +2196,7 @@
           <a:p>
             <a:fld id="{1C7A44C0-F7AC-49C2-8289-1E7A86D9FB50}" type="datetime4">
               <a:rPr lang="en-US" smtClean="0"/>
-              <a:t>November 17, 2021</a:t>
+              <a:t>November 18, 2021</a:t>
             </a:fld>
             <a:endParaRPr lang="en-US"/>
           </a:p>
@@ -2511,7 +2511,7 @@
           <a:p>
             <a:fld id="{73BB84BC-6E78-40D1-8831-40AB1F596614}" type="datetime4">
               <a:rPr lang="en-US" smtClean="0"/>
-              <a:t>November 17, 2021</a:t>
+              <a:t>November 18, 2021</a:t>
             </a:fld>
             <a:endParaRPr lang="en-US"/>
           </a:p>
@@ -2804,7 +2804,7 @@
           <a:p>
             <a:fld id="{ADFA080F-3961-4D42-BEDE-84A1FED032F1}" type="datetime4">
               <a:rPr lang="en-US" smtClean="0"/>
-              <a:t>November 17, 2021</a:t>
+              <a:t>November 18, 2021</a:t>
             </a:fld>
             <a:endParaRPr lang="en-US"/>
           </a:p>
@@ -3086,7 +3086,7 @@
             <a:fld id="{A33960BD-7AC1-4217-9611-AAA56D3EE38F}" type="datetime4">
               <a:rPr lang="en-US" smtClean="0"/>
               <a:pPr/>
-              <a:t>November 17, 2021</a:t>
+              <a:t>November 18, 2021</a:t>
             </a:fld>
             <a:endParaRPr lang="en-US" dirty="0">
               <a:latin typeface="+mn-lt"/>
@@ -4492,40 +4492,75 @@
       </p:sp>
       <p:sp>
         <p:nvSpPr>
-          <p:cNvPr id="3" name="Content Placeholder 2">
-            <a:extLst>
-              <a:ext uri="{FF2B5EF4-FFF2-40B4-BE49-F238E27FC236}">
-                <a16:creationId xmlns:a16="http://schemas.microsoft.com/office/drawing/2014/main" id="{6AB89572-B564-4DD2-9C0D-C4906AF0CE7F}"/>
-              </a:ext>
-            </a:extLst>
-          </p:cNvPr>
-          <p:cNvSpPr>
-            <a:spLocks noGrp="1"/>
-          </p:cNvSpPr>
-          <p:nvPr>
-            <p:ph sz="half" idx="1"/>
-          </p:nvPr>
+          <p:cNvPr id="6" name="TextBox 5">
+            <a:extLst>
+              <a:ext uri="{FF2B5EF4-FFF2-40B4-BE49-F238E27FC236}">
+                <a16:creationId xmlns:a16="http://schemas.microsoft.com/office/drawing/2014/main" id="{81CE0718-D686-4E07-8356-2EF67CCB0455}"/>
+              </a:ext>
+            </a:extLst>
+          </p:cNvPr>
+          <p:cNvSpPr txBox="1"/>
+          <p:nvPr/>
         </p:nvSpPr>
         <p:spPr>
           <a:xfrm>
-            <a:off x="302859" y="1825624"/>
-            <a:ext cx="9530319" cy="4460875"/>
+            <a:off x="503767" y="1579033"/>
+            <a:ext cx="2810933" cy="369332"/>
           </a:xfrm>
+          <a:prstGeom prst="rect">
+            <a:avLst/>
+          </a:prstGeom>
+          <a:noFill/>
         </p:spPr>
         <p:txBody>
-          <a:bodyPr/>
+          <a:bodyPr wrap="square" rtlCol="0">
+            <a:spAutoFit/>
+          </a:bodyPr>
           <a:lstStyle/>
           <a:p>
             <a:r>
               <a:rPr lang="en-US" dirty="0"/>
-              <a:t>Heat Map</a:t>
-            </a:r>
-          </a:p>
-          <a:p>
-            <a:endParaRPr lang="en-US" dirty="0"/>
-          </a:p>
-        </p:txBody>
-      </p:sp>
+              <a:t>Bullet Chart</a:t>
+            </a:r>
+          </a:p>
+        </p:txBody>
+      </p:sp>
+      <p:pic>
+        <p:nvPicPr>
+          <p:cNvPr id="8" name="Picture 7" descr="Timeline&#10;&#10;Description automatically generated">
+            <a:extLst>
+              <a:ext uri="{FF2B5EF4-FFF2-40B4-BE49-F238E27FC236}">
+                <a16:creationId xmlns:a16="http://schemas.microsoft.com/office/drawing/2014/main" id="{66A85A0A-0C57-420C-9B35-95470DB61998}"/>
+              </a:ext>
+            </a:extLst>
+          </p:cNvPr>
+          <p:cNvPicPr>
+            <a:picLocks noChangeAspect="1"/>
+          </p:cNvPicPr>
+          <p:nvPr/>
+        </p:nvPicPr>
+        <p:blipFill>
+          <a:blip r:embed="rId2">
+            <a:extLst>
+              <a:ext uri="{28A0092B-C50C-407E-A947-70E740481C1C}">
+                <a14:useLocalDpi xmlns:a14="http://schemas.microsoft.com/office/drawing/2010/main" val="0"/>
+              </a:ext>
+            </a:extLst>
+          </a:blip>
+          <a:stretch>
+            <a:fillRect/>
+          </a:stretch>
+        </p:blipFill>
+        <p:spPr>
+          <a:xfrm>
+            <a:off x="537634" y="2031999"/>
+            <a:ext cx="8043333" cy="4288367"/>
+          </a:xfrm>
+          <a:prstGeom prst="rect">
+            <a:avLst/>
+          </a:prstGeom>
+        </p:spPr>
+      </p:pic>
     </p:spTree>
     <p:extLst>
       <p:ext uri="{BB962C8B-B14F-4D97-AF65-F5344CB8AC3E}">
@@ -4574,7 +4609,7 @@
         </p:nvSpPr>
         <p:spPr>
           <a:xfrm>
-            <a:off x="414068" y="609601"/>
+            <a:off x="405601" y="342901"/>
             <a:ext cx="10447415" cy="1216024"/>
           </a:xfrm>
         </p:spPr>
@@ -4615,16 +4650,81 @@
           <a:bodyPr/>
           <a:lstStyle/>
           <a:p>
+            <a:endParaRPr lang="en-US" dirty="0"/>
+          </a:p>
+          <a:p>
+            <a:endParaRPr lang="en-US" dirty="0"/>
+          </a:p>
+        </p:txBody>
+      </p:sp>
+      <p:pic>
+        <p:nvPicPr>
+          <p:cNvPr id="4" name="Picture 3" descr="Chart&#10;&#10;Description automatically generated">
+            <a:extLst>
+              <a:ext uri="{FF2B5EF4-FFF2-40B4-BE49-F238E27FC236}">
+                <a16:creationId xmlns:a16="http://schemas.microsoft.com/office/drawing/2014/main" id="{5928A433-A405-4168-ADA1-6BBAEF8FF099}"/>
+              </a:ext>
+            </a:extLst>
+          </p:cNvPr>
+          <p:cNvPicPr>
+            <a:picLocks noChangeAspect="1"/>
+          </p:cNvPicPr>
+          <p:nvPr/>
+        </p:nvPicPr>
+        <p:blipFill>
+          <a:blip r:embed="rId2">
+            <a:extLst>
+              <a:ext uri="{28A0092B-C50C-407E-A947-70E740481C1C}">
+                <a14:useLocalDpi xmlns:a14="http://schemas.microsoft.com/office/drawing/2010/main" val="0"/>
+              </a:ext>
+            </a:extLst>
+          </a:blip>
+          <a:stretch>
+            <a:fillRect/>
+          </a:stretch>
+        </p:blipFill>
+        <p:spPr>
+          <a:xfrm>
+            <a:off x="99097" y="2054022"/>
+            <a:ext cx="9598948" cy="4576503"/>
+          </a:xfrm>
+          <a:prstGeom prst="rect">
+            <a:avLst/>
+          </a:prstGeom>
+        </p:spPr>
+      </p:pic>
+      <p:sp>
+        <p:nvSpPr>
+          <p:cNvPr id="5" name="TextBox 4">
+            <a:extLst>
+              <a:ext uri="{FF2B5EF4-FFF2-40B4-BE49-F238E27FC236}">
+                <a16:creationId xmlns:a16="http://schemas.microsoft.com/office/drawing/2014/main" id="{31DC7DFB-CBB3-4D61-B291-E20386A48D2B}"/>
+              </a:ext>
+            </a:extLst>
+          </p:cNvPr>
+          <p:cNvSpPr txBox="1"/>
+          <p:nvPr/>
+        </p:nvSpPr>
+        <p:spPr>
+          <a:xfrm>
+            <a:off x="509001" y="1414392"/>
+            <a:ext cx="3216166" cy="369332"/>
+          </a:xfrm>
+          <a:prstGeom prst="rect">
+            <a:avLst/>
+          </a:prstGeom>
+          <a:noFill/>
+        </p:spPr>
+        <p:txBody>
+          <a:bodyPr wrap="square" rtlCol="0">
+            <a:spAutoFit/>
+          </a:bodyPr>
+          <a:lstStyle/>
+          <a:p>
             <a:r>
               <a:rPr lang="en-US" dirty="0"/>
-              <a:t>Contour Chart</a:t>
-            </a:r>
-          </a:p>
-          <a:p>
-            <a:endParaRPr lang="en-US" dirty="0"/>
-          </a:p>
-          <a:p>
-            <a:endParaRPr lang="en-US" dirty="0"/>
+              <a:t>Line Chart</a:t>
+            </a:r>
           </a:p>
         </p:txBody>
       </p:sp>

--- a/assignments/ex6.2.pptx
+++ b/assignments/ex6.2.pptx
@@ -4961,6 +4961,78 @@
           </a:p>
         </p:txBody>
       </p:sp>
+      <p:pic>
+        <p:nvPicPr>
+          <p:cNvPr id="4" name="Picture 3" descr="Chart&#10;&#10;Description automatically generated">
+            <a:extLst>
+              <a:ext uri="{FF2B5EF4-FFF2-40B4-BE49-F238E27FC236}">
+                <a16:creationId xmlns:a16="http://schemas.microsoft.com/office/drawing/2014/main" id="{BB2C4D1D-9524-4222-B1F9-FCE596F93D3B}"/>
+              </a:ext>
+            </a:extLst>
+          </p:cNvPr>
+          <p:cNvPicPr>
+            <a:picLocks noChangeAspect="1"/>
+          </p:cNvPicPr>
+          <p:nvPr/>
+        </p:nvPicPr>
+        <p:blipFill>
+          <a:blip r:embed="rId2">
+            <a:extLst>
+              <a:ext uri="{28A0092B-C50C-407E-A947-70E740481C1C}">
+                <a14:useLocalDpi xmlns:a14="http://schemas.microsoft.com/office/drawing/2010/main" val="0"/>
+              </a:ext>
+            </a:extLst>
+          </a:blip>
+          <a:stretch>
+            <a:fillRect/>
+          </a:stretch>
+        </p:blipFill>
+        <p:spPr>
+          <a:xfrm>
+            <a:off x="777017" y="2528358"/>
+            <a:ext cx="10020300" cy="1428750"/>
+          </a:xfrm>
+          <a:prstGeom prst="rect">
+            <a:avLst/>
+          </a:prstGeom>
+        </p:spPr>
+      </p:pic>
+      <p:sp>
+        <p:nvSpPr>
+          <p:cNvPr id="5" name="TextBox 4">
+            <a:extLst>
+              <a:ext uri="{FF2B5EF4-FFF2-40B4-BE49-F238E27FC236}">
+                <a16:creationId xmlns:a16="http://schemas.microsoft.com/office/drawing/2014/main" id="{57084DE8-7796-455D-962E-9200C6708EAD}"/>
+              </a:ext>
+            </a:extLst>
+          </p:cNvPr>
+          <p:cNvSpPr txBox="1"/>
+          <p:nvPr/>
+        </p:nvSpPr>
+        <p:spPr>
+          <a:xfrm>
+            <a:off x="165101" y="2980272"/>
+            <a:ext cx="719668" cy="369332"/>
+          </a:xfrm>
+          <a:prstGeom prst="rect">
+            <a:avLst/>
+          </a:prstGeom>
+          <a:noFill/>
+        </p:spPr>
+        <p:txBody>
+          <a:bodyPr wrap="square" rtlCol="0">
+            <a:spAutoFit/>
+          </a:bodyPr>
+          <a:lstStyle/>
+          <a:p>
+            <a:r>
+              <a:rPr lang="en-US" dirty="0" err="1"/>
+              <a:t>Alaba</a:t>
+            </a:r>
+            <a:endParaRPr lang="en-US" dirty="0"/>
+          </a:p>
+        </p:txBody>
+      </p:sp>
     </p:spTree>
     <p:extLst>
       <p:ext uri="{BB962C8B-B14F-4D97-AF65-F5344CB8AC3E}">
